--- a/数据挖掘平台设计-0.1.pptx
+++ b/数据挖掘平台设计-0.1.pptx
@@ -9,10 +9,10 @@
     <p:sldMasterId id="2147484106" r:id="rId5"/>
   </p:sldMasterIdLst>
   <p:notesMasterIdLst>
-    <p:notesMasterId r:id="rId14"/>
+    <p:notesMasterId r:id="rId15"/>
   </p:notesMasterIdLst>
   <p:handoutMasterIdLst>
-    <p:handoutMasterId r:id="rId15"/>
+    <p:handoutMasterId r:id="rId16"/>
   </p:handoutMasterIdLst>
   <p:sldIdLst>
     <p:sldId id="262" r:id="rId6"/>
@@ -22,7 +22,8 @@
     <p:sldId id="266" r:id="rId10"/>
     <p:sldId id="268" r:id="rId11"/>
     <p:sldId id="269" r:id="rId12"/>
-    <p:sldId id="267" r:id="rId13"/>
+    <p:sldId id="270" r:id="rId13"/>
+    <p:sldId id="267" r:id="rId14"/>
   </p:sldIdLst>
   <p:sldSz cx="9144000" cy="6858000" type="screen4x3"/>
   <p:notesSz cx="6797675" cy="9926638"/>
@@ -153,7 +154,7 @@
   </p:defaultTextStyle>
   <p:extLst>
     <p:ext uri="{EFAFB233-063F-42B5-8137-9DF3F51BA10A}">
-      <p15:sldGuideLst xmlns:p15="http://schemas.microsoft.com/office/powerpoint/2012/main" xmlns="">
+      <p15:sldGuideLst xmlns:p15="http://schemas.microsoft.com/office/powerpoint/2012/main">
         <p15:guide id="1" orient="horz" pos="437">
           <p15:clr>
             <a:srgbClr val="A4A3A4"/>
@@ -177,7 +178,7 @@
       </p15:sldGuideLst>
     </p:ext>
     <p:ext uri="{2D200454-40CA-4A62-9FC3-DE9A4176ACB9}">
-      <p15:notesGuideLst xmlns:p15="http://schemas.microsoft.com/office/powerpoint/2012/main" xmlns="">
+      <p15:notesGuideLst xmlns:p15="http://schemas.microsoft.com/office/powerpoint/2012/main">
         <p15:guide id="1" orient="horz" pos="3127">
           <p15:clr>
             <a:srgbClr val="A4A3A4"/>
@@ -322,7 +323,7 @@
               <a:pPr>
                 <a:defRPr/>
               </a:pPr>
-              <a:t>2017/1/11</a:t>
+              <a:t>17/1/15</a:t>
             </a:fld>
             <a:endParaRPr lang="en-US" altLang="zh-CN" dirty="0"/>
           </a:p>
@@ -598,7 +599,7 @@
             <a:fld id="{CF01BC75-03AA-4997-A092-C90D85226FF4}" type="datetimeFigureOut">
               <a:rPr lang="zh-CN" altLang="en-US"/>
               <a:pPr/>
-              <a:t>2017/1/11</a:t>
+              <a:t>17/1/15</a:t>
             </a:fld>
             <a:endParaRPr lang="en-US" altLang="zh-CN" dirty="0"/>
           </a:p>
@@ -1353,7 +1354,182 @@
           <a:bodyPr/>
           <a:lstStyle/>
           <a:p>
-            <a:endParaRPr lang="zh-CN" altLang="en-US" dirty="0"/>
+            <a:r>
+              <a:rPr lang="zh-CN" altLang="en-US" dirty="0" smtClean="0"/>
+              <a:t>这里只说给出自己的经验，需要具体的量化</a:t>
+            </a:r>
+            <a:r>
+              <a:rPr lang="en-US" altLang="zh-CN" dirty="0" smtClean="0"/>
+              <a:t>benchmark</a:t>
+            </a:r>
+            <a:r>
+              <a:rPr lang="zh-CN" altLang="en-US" dirty="0" smtClean="0"/>
+              <a:t>比较需要后续工作。</a:t>
+            </a:r>
+            <a:endParaRPr lang="en-US" altLang="zh-CN" dirty="0" smtClean="0"/>
+          </a:p>
+          <a:p>
+            <a:r>
+              <a:rPr lang="en-US" altLang="zh-CN" dirty="0" smtClean="0"/>
+              <a:t>presto</a:t>
+            </a:r>
+            <a:r>
+              <a:rPr lang="zh-CN" altLang="en-US" dirty="0" smtClean="0"/>
+              <a:t>：</a:t>
+            </a:r>
+            <a:r>
+              <a:rPr lang="en-US" altLang="zh-CN" dirty="0" err="1" smtClean="0"/>
+              <a:t>facebook</a:t>
+            </a:r>
+            <a:r>
+              <a:rPr lang="zh-CN" altLang="en-US" dirty="0" smtClean="0"/>
+              <a:t>开源的一个</a:t>
+            </a:r>
+            <a:r>
+              <a:rPr lang="en-US" altLang="zh-CN" dirty="0" smtClean="0"/>
+              <a:t>java</a:t>
+            </a:r>
+            <a:r>
+              <a:rPr lang="zh-CN" altLang="en-US" dirty="0" smtClean="0"/>
+              <a:t>写的分布式数据查询框架，原生集成了</a:t>
+            </a:r>
+            <a:r>
+              <a:rPr lang="en-US" altLang="zh-CN" dirty="0" smtClean="0"/>
+              <a:t>Hive</a:t>
+            </a:r>
+            <a:r>
+              <a:rPr lang="zh-CN" altLang="en-US" dirty="0" smtClean="0"/>
+              <a:t>、</a:t>
+            </a:r>
+            <a:r>
+              <a:rPr lang="en-US" altLang="zh-CN" dirty="0" err="1" smtClean="0"/>
+              <a:t>Hbase</a:t>
+            </a:r>
+            <a:r>
+              <a:rPr lang="zh-CN" altLang="en-US" dirty="0" smtClean="0"/>
+              <a:t>和关系型数据库，</a:t>
+            </a:r>
+            <a:r>
+              <a:rPr lang="en-US" altLang="zh-CN" dirty="0" smtClean="0"/>
+              <a:t>Presto</a:t>
+            </a:r>
+            <a:r>
+              <a:rPr lang="zh-CN" altLang="en-US" dirty="0" smtClean="0"/>
+              <a:t>背后所使用的执行模式与</a:t>
+            </a:r>
+            <a:r>
+              <a:rPr lang="en-US" altLang="zh-CN" dirty="0" smtClean="0"/>
+              <a:t>Hive</a:t>
+            </a:r>
+            <a:r>
+              <a:rPr lang="zh-CN" altLang="en-US" dirty="0" smtClean="0"/>
+              <a:t>有根本的不同，它没有使用</a:t>
+            </a:r>
+            <a:r>
+              <a:rPr lang="en-US" altLang="zh-CN" dirty="0" err="1" smtClean="0"/>
+              <a:t>MapReduce</a:t>
+            </a:r>
+            <a:r>
+              <a:rPr lang="zh-CN" altLang="en-US" dirty="0" smtClean="0"/>
+              <a:t>，大部分场景下比</a:t>
+            </a:r>
+            <a:r>
+              <a:rPr lang="en-US" altLang="zh-CN" dirty="0" smtClean="0"/>
+              <a:t>hive</a:t>
+            </a:r>
+            <a:r>
+              <a:rPr lang="zh-CN" altLang="en-US" dirty="0" smtClean="0"/>
+              <a:t>快一个数量级，其中的关键是所有的处理都在内存中完成。</a:t>
+            </a:r>
+            <a:br>
+              <a:rPr lang="zh-CN" altLang="en-US" dirty="0" smtClean="0"/>
+            </a:br>
+            <a:r>
+              <a:rPr lang="en-US" altLang="zh-CN" dirty="0" smtClean="0"/>
+              <a:t>Druid</a:t>
+            </a:r>
+            <a:r>
+              <a:rPr lang="zh-CN" altLang="en-US" dirty="0" smtClean="0"/>
+              <a:t>：是一个实时处理时序数据的</a:t>
+            </a:r>
+            <a:r>
+              <a:rPr lang="en-US" altLang="zh-CN" dirty="0" err="1" smtClean="0"/>
+              <a:t>Olap</a:t>
+            </a:r>
+            <a:r>
+              <a:rPr lang="zh-CN" altLang="en-US" dirty="0" smtClean="0"/>
+              <a:t>数据库，因为它的索引首先按照时间分片，查询的时候也是按照时间线去路由索引。</a:t>
+            </a:r>
+            <a:br>
+              <a:rPr lang="zh-CN" altLang="en-US" dirty="0" smtClean="0"/>
+            </a:br>
+            <a:r>
+              <a:rPr lang="en-US" altLang="zh-CN" dirty="0" smtClean="0"/>
+              <a:t>spark SQL</a:t>
+            </a:r>
+            <a:r>
+              <a:rPr lang="zh-CN" altLang="en-US" dirty="0" smtClean="0"/>
+              <a:t>：基于</a:t>
+            </a:r>
+            <a:r>
+              <a:rPr lang="en-US" altLang="zh-CN" dirty="0" smtClean="0"/>
+              <a:t>spark</a:t>
+            </a:r>
+            <a:r>
+              <a:rPr lang="zh-CN" altLang="en-US" dirty="0" smtClean="0"/>
+              <a:t>平台上的一个</a:t>
+            </a:r>
+            <a:r>
+              <a:rPr lang="en-US" altLang="zh-CN" dirty="0" err="1" smtClean="0"/>
+              <a:t>olap</a:t>
+            </a:r>
+            <a:r>
+              <a:rPr lang="zh-CN" altLang="en-US" dirty="0" smtClean="0"/>
+              <a:t>框架，本质上也是基于</a:t>
+            </a:r>
+            <a:r>
+              <a:rPr lang="en-US" altLang="zh-CN" dirty="0" smtClean="0"/>
+              <a:t>DAG</a:t>
+            </a:r>
+            <a:r>
+              <a:rPr lang="zh-CN" altLang="en-US" dirty="0" smtClean="0"/>
+              <a:t>的</a:t>
+            </a:r>
+            <a:r>
+              <a:rPr lang="en-US" altLang="zh-CN" dirty="0" smtClean="0"/>
+              <a:t>MPP</a:t>
+            </a:r>
+            <a:r>
+              <a:rPr lang="zh-CN" altLang="en-US" dirty="0" smtClean="0"/>
+              <a:t>， 基本思路是增加机器来并行计算，从而提高查询速度。</a:t>
+            </a:r>
+            <a:br>
+              <a:rPr lang="zh-CN" altLang="en-US" dirty="0" smtClean="0"/>
+            </a:br>
+            <a:r>
+              <a:rPr lang="en-US" altLang="zh-CN" dirty="0" err="1" smtClean="0"/>
+              <a:t>kylin</a:t>
+            </a:r>
+            <a:r>
+              <a:rPr lang="zh-CN" altLang="en-US" dirty="0" smtClean="0"/>
+              <a:t>：核心是</a:t>
+            </a:r>
+            <a:r>
+              <a:rPr lang="en-US" altLang="zh-CN" dirty="0" smtClean="0"/>
+              <a:t>Cube</a:t>
+            </a:r>
+            <a:r>
+              <a:rPr lang="zh-CN" altLang="en-US" dirty="0" smtClean="0"/>
+              <a:t>，</a:t>
+            </a:r>
+            <a:r>
+              <a:rPr lang="en-US" altLang="zh-CN" dirty="0" smtClean="0"/>
+              <a:t>cube</a:t>
+            </a:r>
+            <a:r>
+              <a:rPr lang="zh-CN" altLang="en-US" dirty="0" smtClean="0"/>
+              <a:t>是一种预计算技术，基本思路是预先对数据作多维索引，查询时只扫描索引而不访问原始数据从而提速。</a:t>
+            </a:r>
           </a:p>
         </p:txBody>
       </p:sp>
@@ -1438,6 +1614,66 @@
           <a:bodyPr/>
           <a:lstStyle/>
           <a:p>
+            <a:r>
+              <a:rPr lang="zh-CN" altLang="en-US" dirty="0" smtClean="0"/>
+              <a:t>综合来看，初步保守方案可以是：</a:t>
+            </a:r>
+            <a:r>
+              <a:rPr lang="en-US" altLang="zh-CN" dirty="0" err="1" smtClean="0"/>
+              <a:t>es</a:t>
+            </a:r>
+            <a:r>
+              <a:rPr lang="zh-CN" altLang="en-US" dirty="0" smtClean="0"/>
+              <a:t>只是作为全文检索，</a:t>
+            </a:r>
+            <a:r>
+              <a:rPr lang="en-US" altLang="zh-CN" dirty="0" err="1" smtClean="0"/>
+              <a:t>hbas</a:t>
+            </a:r>
+            <a:r>
+              <a:rPr lang="zh-CN" altLang="en-US" dirty="0" smtClean="0"/>
+              <a:t>作为数据仓库，</a:t>
+            </a:r>
+            <a:r>
+              <a:rPr lang="en-US" altLang="zh-CN" dirty="0" smtClean="0"/>
+              <a:t>spark</a:t>
+            </a:r>
+            <a:r>
+              <a:rPr lang="zh-CN" altLang="en-US" dirty="0" smtClean="0"/>
+              <a:t> </a:t>
+            </a:r>
+            <a:r>
+              <a:rPr lang="en-US" altLang="zh-CN" dirty="0" err="1" smtClean="0"/>
+              <a:t>sql</a:t>
+            </a:r>
+            <a:r>
+              <a:rPr lang="zh-CN" altLang="en-US" dirty="0" smtClean="0"/>
+              <a:t>作为数据融合和数据挖掘的引擎，可能还会引入一个</a:t>
+            </a:r>
+            <a:r>
+              <a:rPr lang="en-US" altLang="zh-CN" dirty="0" smtClean="0"/>
+              <a:t>impala</a:t>
+            </a:r>
+            <a:r>
+              <a:rPr lang="zh-CN" altLang="en-US" dirty="0" smtClean="0"/>
+              <a:t>或者</a:t>
+            </a:r>
+            <a:r>
+              <a:rPr lang="en-US" altLang="zh-CN" dirty="0" smtClean="0"/>
+              <a:t>druid</a:t>
+            </a:r>
+            <a:r>
+              <a:rPr lang="zh-CN" altLang="en-US" dirty="0" smtClean="0"/>
+              <a:t>或者</a:t>
+            </a:r>
+            <a:r>
+              <a:rPr lang="en-US" altLang="zh-CN" dirty="0" err="1" smtClean="0"/>
+              <a:t>kylin</a:t>
+            </a:r>
+            <a:r>
+              <a:rPr lang="zh-CN" altLang="en-US" dirty="0" smtClean="0"/>
+              <a:t>来与前端做某些表的交互</a:t>
+            </a:r>
             <a:endParaRPr lang="zh-CN" altLang="en-US" dirty="0"/>
           </a:p>
         </p:txBody>
@@ -1461,6 +1697,91 @@
               <a:rPr lang="zh-CN" altLang="en-US" smtClean="0"/>
               <a:pPr/>
               <a:t>8</a:t>
+            </a:fld>
+            <a:endParaRPr lang="en-US" altLang="zh-CN" dirty="0"/>
+          </a:p>
+        </p:txBody>
+      </p:sp>
+    </p:spTree>
+    <p:extLst>
+      <p:ext uri="{BB962C8B-B14F-4D97-AF65-F5344CB8AC3E}">
+        <p14:creationId xmlns:p14="http://schemas.microsoft.com/office/powerpoint/2010/main" val="315180850"/>
+      </p:ext>
+    </p:extLst>
+  </p:cSld>
+  <p:clrMapOvr>
+    <a:masterClrMapping/>
+  </p:clrMapOvr>
+</p:notes>
+</file>
+
+<file path=ppt/notesSlides/notesSlide5.xml><?xml version="1.0" encoding="utf-8"?>
+<p:notes xmlns:a="http://schemas.openxmlformats.org/drawingml/2006/main" xmlns:r="http://schemas.openxmlformats.org/officeDocument/2006/relationships" xmlns:p="http://schemas.openxmlformats.org/presentationml/2006/main">
+  <p:cSld>
+    <p:spTree>
+      <p:nvGrpSpPr>
+        <p:cNvPr id="1" name=""/>
+        <p:cNvGrpSpPr/>
+        <p:nvPr/>
+      </p:nvGrpSpPr>
+      <p:grpSpPr>
+        <a:xfrm>
+          <a:off x="0" y="0"/>
+          <a:ext cx="0" cy="0"/>
+          <a:chOff x="0" y="0"/>
+          <a:chExt cx="0" cy="0"/>
+        </a:xfrm>
+      </p:grpSpPr>
+      <p:sp>
+        <p:nvSpPr>
+          <p:cNvPr id="2" name="幻灯片图像占位符 1"/>
+          <p:cNvSpPr>
+            <a:spLocks noGrp="1" noRot="1" noChangeAspect="1"/>
+          </p:cNvSpPr>
+          <p:nvPr>
+            <p:ph type="sldImg"/>
+          </p:nvPr>
+        </p:nvSpPr>
+        <p:spPr/>
+      </p:sp>
+      <p:sp>
+        <p:nvSpPr>
+          <p:cNvPr id="3" name="备注占位符 2"/>
+          <p:cNvSpPr>
+            <a:spLocks noGrp="1"/>
+          </p:cNvSpPr>
+          <p:nvPr>
+            <p:ph type="body" idx="1"/>
+          </p:nvPr>
+        </p:nvSpPr>
+        <p:spPr/>
+        <p:txBody>
+          <a:bodyPr/>
+          <a:lstStyle/>
+          <a:p>
+            <a:endParaRPr lang="zh-CN" altLang="en-US" dirty="0"/>
+          </a:p>
+        </p:txBody>
+      </p:sp>
+      <p:sp>
+        <p:nvSpPr>
+          <p:cNvPr id="4" name="灯片编号占位符 3"/>
+          <p:cNvSpPr>
+            <a:spLocks noGrp="1"/>
+          </p:cNvSpPr>
+          <p:nvPr>
+            <p:ph type="sldNum" sz="quarter" idx="10"/>
+          </p:nvPr>
+        </p:nvSpPr>
+        <p:spPr/>
+        <p:txBody>
+          <a:bodyPr/>
+          <a:lstStyle/>
+          <a:p>
+            <a:fld id="{E3D1208B-ABB5-48F0-93EC-79B837E3F925}" type="slidenum">
+              <a:rPr lang="zh-CN" altLang="en-US" smtClean="0"/>
+              <a:pPr/>
+              <a:t>9</a:t>
             </a:fld>
             <a:endParaRPr lang="en-US" altLang="zh-CN" dirty="0"/>
           </a:p>
@@ -2223,7 +2544,7 @@
             <a:fld id="{AD50CF4D-4196-4228-82E4-ECE1290848B6}" type="datetimeFigureOut">
               <a:rPr lang="zh-CN" altLang="en-US" smtClean="0"/>
               <a:pPr/>
-              <a:t>2017/1/11</a:t>
+              <a:t>17/1/15</a:t>
             </a:fld>
             <a:endParaRPr lang="zh-CN" altLang="en-US"/>
           </a:p>
@@ -2343,7 +2664,7 @@
             <a:fld id="{AD50CF4D-4196-4228-82E4-ECE1290848B6}" type="datetimeFigureOut">
               <a:rPr lang="zh-CN" altLang="en-US" smtClean="0"/>
               <a:pPr/>
-              <a:t>2017/1/11</a:t>
+              <a:t>17/1/15</a:t>
             </a:fld>
             <a:endParaRPr lang="zh-CN" altLang="en-US"/>
           </a:p>
@@ -2440,7 +2761,7 @@
             <a:fld id="{AD50CF4D-4196-4228-82E4-ECE1290848B6}" type="datetimeFigureOut">
               <a:rPr lang="zh-CN" altLang="en-US" smtClean="0"/>
               <a:pPr/>
-              <a:t>2017/1/11</a:t>
+              <a:t>17/1/15</a:t>
             </a:fld>
             <a:endParaRPr lang="zh-CN" altLang="en-US"/>
           </a:p>
@@ -2719,7 +3040,7 @@
             <a:fld id="{AD50CF4D-4196-4228-82E4-ECE1290848B6}" type="datetimeFigureOut">
               <a:rPr lang="zh-CN" altLang="en-US" smtClean="0"/>
               <a:pPr/>
-              <a:t>2017/1/11</a:t>
+              <a:t>17/1/15</a:t>
             </a:fld>
             <a:endParaRPr lang="zh-CN" altLang="en-US"/>
           </a:p>
@@ -2974,7 +3295,7 @@
             <a:fld id="{AD50CF4D-4196-4228-82E4-ECE1290848B6}" type="datetimeFigureOut">
               <a:rPr lang="zh-CN" altLang="en-US" smtClean="0"/>
               <a:pPr/>
-              <a:t>2017/1/11</a:t>
+              <a:t>17/1/15</a:t>
             </a:fld>
             <a:endParaRPr lang="zh-CN" altLang="en-US"/>
           </a:p>
@@ -3146,7 +3467,7 @@
             <a:fld id="{AD50CF4D-4196-4228-82E4-ECE1290848B6}" type="datetimeFigureOut">
               <a:rPr lang="zh-CN" altLang="en-US" smtClean="0"/>
               <a:pPr/>
-              <a:t>2017/1/11</a:t>
+              <a:t>17/1/15</a:t>
             </a:fld>
             <a:endParaRPr lang="zh-CN" altLang="en-US"/>
           </a:p>
@@ -3328,7 +3649,7 @@
             <a:fld id="{AD50CF4D-4196-4228-82E4-ECE1290848B6}" type="datetimeFigureOut">
               <a:rPr lang="zh-CN" altLang="en-US" smtClean="0"/>
               <a:pPr/>
-              <a:t>2017/1/11</a:t>
+              <a:t>17/1/15</a:t>
             </a:fld>
             <a:endParaRPr lang="zh-CN" altLang="en-US"/>
           </a:p>
@@ -3968,7 +4289,7 @@
   </p:timing>
   <p:extLst mod="1">
     <p:ext uri="{DCECCB84-F9BA-43D5-87BE-67443E8EF086}">
-      <p15:sldGuideLst xmlns:p15="http://schemas.microsoft.com/office/powerpoint/2012/main" xmlns="">
+      <p15:sldGuideLst xmlns:p15="http://schemas.microsoft.com/office/powerpoint/2012/main">
         <p15:guide id="1" orient="horz" pos="414" userDrawn="1">
           <p15:clr>
             <a:srgbClr val="FBAE40"/>
@@ -4399,7 +4720,7 @@
             <a:fld id="{AD50CF4D-4196-4228-82E4-ECE1290848B6}" type="datetimeFigureOut">
               <a:rPr lang="zh-CN" altLang="en-US" smtClean="0"/>
               <a:pPr/>
-              <a:t>2017/1/11</a:t>
+              <a:t>17/1/15</a:t>
             </a:fld>
             <a:endParaRPr lang="zh-CN" altLang="en-US"/>
           </a:p>
@@ -4571,7 +4892,7 @@
             <a:fld id="{AD50CF4D-4196-4228-82E4-ECE1290848B6}" type="datetimeFigureOut">
               <a:rPr lang="zh-CN" altLang="en-US" smtClean="0"/>
               <a:pPr/>
-              <a:t>2017/1/11</a:t>
+              <a:t>17/1/15</a:t>
             </a:fld>
             <a:endParaRPr lang="zh-CN" altLang="en-US"/>
           </a:p>
@@ -4819,7 +5140,7 @@
             <a:fld id="{AD50CF4D-4196-4228-82E4-ECE1290848B6}" type="datetimeFigureOut">
               <a:rPr lang="zh-CN" altLang="en-US" smtClean="0"/>
               <a:pPr/>
-              <a:t>2017/1/11</a:t>
+              <a:t>17/1/15</a:t>
             </a:fld>
             <a:endParaRPr lang="zh-CN" altLang="en-US"/>
           </a:p>
@@ -5053,7 +5374,7 @@
             <a:fld id="{AD50CF4D-4196-4228-82E4-ECE1290848B6}" type="datetimeFigureOut">
               <a:rPr lang="zh-CN" altLang="en-US" smtClean="0"/>
               <a:pPr/>
-              <a:t>2017/1/11</a:t>
+              <a:t>17/1/15</a:t>
             </a:fld>
             <a:endParaRPr lang="zh-CN" altLang="en-US"/>
           </a:p>
@@ -8855,7 +9176,7 @@
             <a:fld id="{AD50CF4D-4196-4228-82E4-ECE1290848B6}" type="datetimeFigureOut">
               <a:rPr lang="zh-CN" altLang="en-US" smtClean="0"/>
               <a:pPr/>
-              <a:t>2017/1/11</a:t>
+              <a:t>17/1/15</a:t>
             </a:fld>
             <a:endParaRPr lang="zh-CN" altLang="en-US"/>
           </a:p>
@@ -9320,7 +9641,7 @@
             <a:fld id="{0D2BF3EC-2182-40F2-A240-A02F5201FE16}" type="datetime2">
               <a:rPr lang="zh-CN" altLang="en-US" smtClean="0"/>
               <a:pPr/>
-              <a:t>2017年1月11日</a:t>
+              <a:t>2017年1月15日</a:t>
             </a:fld>
             <a:endParaRPr lang="zh-CN" altLang="en-US" dirty="0"/>
           </a:p>
@@ -10329,7 +10650,23 @@
             <a:pPr lvl="1"/>
             <a:r>
               <a:rPr lang="zh-CN" altLang="en-US" sz="2000" dirty="0" smtClean="0"/>
-              <a:t>根据现有的一些条件，采用一个保守方案就是</a:t>
+              <a:t>根据现有的一些条件</a:t>
+            </a:r>
+            <a:r>
+              <a:rPr lang="zh-CN" altLang="en-US" sz="2000" dirty="0" smtClean="0"/>
+              <a:t>，</a:t>
+            </a:r>
+            <a:r>
+              <a:rPr lang="zh-CN" altLang="en-US" sz="2000" dirty="0" smtClean="0"/>
+              <a:t>可能</a:t>
+            </a:r>
+            <a:r>
+              <a:rPr lang="zh-CN" altLang="en-US" sz="2000" dirty="0" smtClean="0"/>
+              <a:t>采用</a:t>
+            </a:r>
+            <a:r>
+              <a:rPr lang="zh-CN" altLang="en-US" sz="2000" dirty="0" smtClean="0"/>
+              <a:t>一个保守方案就是</a:t>
             </a:r>
             <a:r>
               <a:rPr lang="en-US" altLang="zh-CN" sz="2000" dirty="0" err="1" smtClean="0"/>
@@ -10490,19 +10827,111 @@
             </a:r>
             <a:r>
               <a:rPr lang="zh-CN" altLang="en-US" dirty="0" smtClean="0"/>
-              <a:t>引擎选型：</a:t>
-            </a:r>
-            <a:endParaRPr lang="en-US" altLang="zh-CN" dirty="0" smtClean="0"/>
-          </a:p>
-          <a:p>
-            <a:pPr lvl="1"/>
+              <a:t>引擎</a:t>
+            </a:r>
+            <a:r>
+              <a:rPr lang="zh-CN" altLang="en-US" dirty="0" smtClean="0"/>
+              <a:t>选型</a:t>
+            </a:r>
             <a:r>
               <a:rPr lang="en-US" altLang="zh-CN" dirty="0" smtClean="0"/>
-              <a:t>Spark SQL</a:t>
+              <a:t>,</a:t>
+            </a:r>
+            <a:r>
+              <a:rPr lang="zh-CN" altLang="en-US" dirty="0" smtClean="0"/>
+              <a:t>这里主要对比</a:t>
+            </a:r>
+            <a:r>
+              <a:rPr lang="en-US" altLang="zh-CN" dirty="0" smtClean="0"/>
+              <a:t>presto</a:t>
+            </a:r>
+            <a:r>
+              <a:rPr lang="zh-CN" altLang="en-US" dirty="0" smtClean="0"/>
+              <a:t>、</a:t>
+            </a:r>
+            <a:r>
+              <a:rPr lang="en-US" altLang="zh-CN" dirty="0" smtClean="0"/>
+              <a:t>spark</a:t>
+            </a:r>
+            <a:r>
+              <a:rPr lang="zh-CN" altLang="en-US" dirty="0" smtClean="0"/>
+              <a:t> </a:t>
+            </a:r>
+            <a:r>
+              <a:rPr lang="en-US" altLang="zh-CN" dirty="0" smtClean="0"/>
+              <a:t>SQL</a:t>
+            </a:r>
+            <a:r>
+              <a:rPr lang="zh-CN" altLang="en-US" dirty="0" smtClean="0"/>
+              <a:t>、</a:t>
+            </a:r>
+            <a:r>
+              <a:rPr lang="en-US" altLang="zh-CN" dirty="0" smtClean="0"/>
+              <a:t>druid</a:t>
+            </a:r>
+            <a:r>
+              <a:rPr lang="zh-CN" altLang="en-US" dirty="0" smtClean="0"/>
+              <a:t>、</a:t>
+            </a:r>
+            <a:r>
+              <a:rPr lang="en-US" altLang="zh-CN" dirty="0" smtClean="0"/>
+              <a:t>impala</a:t>
+            </a:r>
+            <a:r>
+              <a:rPr lang="zh-CN" altLang="en-US" dirty="0" smtClean="0"/>
+              <a:t>、</a:t>
+            </a:r>
+            <a:r>
+              <a:rPr lang="en-US" altLang="zh-CN" dirty="0" err="1" smtClean="0"/>
+              <a:t>kylin</a:t>
             </a:r>
             <a:r>
               <a:rPr lang="zh-CN" altLang="en-US" dirty="0" smtClean="0"/>
               <a:t>：</a:t>
+            </a:r>
+            <a:endParaRPr lang="en-US" altLang="zh-CN" dirty="0" smtClean="0"/>
+          </a:p>
+          <a:p>
+            <a:pPr lvl="1"/>
+            <a:r>
+              <a:rPr lang="en-US" altLang="zh-CN" dirty="0" smtClean="0"/>
+              <a:t>druid</a:t>
+            </a:r>
+            <a:r>
+              <a:rPr lang="zh-CN" altLang="en-US" dirty="0" smtClean="0"/>
+              <a:t>：实时写入，实时查询。</a:t>
+            </a:r>
+            <a:endParaRPr lang="en-US" altLang="zh-CN" dirty="0" smtClean="0"/>
+          </a:p>
+          <a:p>
+            <a:pPr lvl="1"/>
+            <a:r>
+              <a:rPr lang="en-US" altLang="zh-CN" dirty="0" err="1" smtClean="0"/>
+              <a:t>Kylin</a:t>
+            </a:r>
+            <a:r>
+              <a:rPr lang="zh-CN" altLang="en-US" dirty="0" smtClean="0"/>
+              <a:t>：离线聚合，查询实时响应，如果应用场景比较固定并且明确，那么很好。</a:t>
+            </a:r>
+            <a:endParaRPr lang="en-US" altLang="zh-CN" dirty="0" smtClean="0"/>
+          </a:p>
+          <a:p>
+            <a:pPr lvl="1"/>
+            <a:r>
+              <a:rPr lang="en-US" altLang="zh-CN" dirty="0" smtClean="0"/>
+              <a:t>Spark</a:t>
+            </a:r>
+            <a:r>
+              <a:rPr lang="zh-CN" altLang="en-US" dirty="0" smtClean="0"/>
+              <a:t> </a:t>
+            </a:r>
+            <a:r>
+              <a:rPr lang="en-US" altLang="zh-CN" dirty="0" smtClean="0"/>
+              <a:t>SQL</a:t>
+            </a:r>
+            <a:r>
+              <a:rPr lang="zh-CN" altLang="en-US" dirty="0" smtClean="0"/>
+              <a:t>：通用框架，中规中矩，社区比较成熟。</a:t>
             </a:r>
             <a:endParaRPr lang="zh-CN" altLang="en-US" dirty="0"/>
           </a:p>
@@ -10529,6 +10958,186 @@
 </file>
 
 <file path=ppt/slides/slide8.xml><?xml version="1.0" encoding="utf-8"?>
+<p:sld xmlns:a="http://schemas.openxmlformats.org/drawingml/2006/main" xmlns:r="http://schemas.openxmlformats.org/officeDocument/2006/relationships" xmlns:p="http://schemas.openxmlformats.org/presentationml/2006/main">
+  <p:cSld>
+    <p:spTree>
+      <p:nvGrpSpPr>
+        <p:cNvPr id="1" name=""/>
+        <p:cNvGrpSpPr/>
+        <p:nvPr/>
+      </p:nvGrpSpPr>
+      <p:grpSpPr>
+        <a:xfrm>
+          <a:off x="0" y="0"/>
+          <a:ext cx="0" cy="0"/>
+          <a:chOff x="0" y="0"/>
+          <a:chExt cx="0" cy="0"/>
+        </a:xfrm>
+      </p:grpSpPr>
+      <p:sp>
+        <p:nvSpPr>
+          <p:cNvPr id="2" name="标题 1"/>
+          <p:cNvSpPr>
+            <a:spLocks noGrp="1"/>
+          </p:cNvSpPr>
+          <p:nvPr>
+            <p:ph type="title"/>
+          </p:nvPr>
+        </p:nvSpPr>
+        <p:spPr/>
+        <p:txBody>
+          <a:bodyPr/>
+          <a:lstStyle/>
+          <a:p>
+            <a:r>
+              <a:rPr lang="zh-CN" altLang="en-US" dirty="0" smtClean="0"/>
+              <a:t>数据仓库设计</a:t>
+            </a:r>
+            <a:r>
+              <a:rPr lang="en-US" altLang="zh-CN" dirty="0" smtClean="0"/>
+              <a:t>-SQL</a:t>
+            </a:r>
+            <a:r>
+              <a:rPr lang="zh-CN" altLang="en-US" dirty="0" smtClean="0"/>
+              <a:t>引擎总结</a:t>
+            </a:r>
+            <a:endParaRPr lang="zh-CN" altLang="en-US" dirty="0"/>
+          </a:p>
+        </p:txBody>
+      </p:sp>
+      <p:sp>
+        <p:nvSpPr>
+          <p:cNvPr id="3" name="内容占位符 2"/>
+          <p:cNvSpPr>
+            <a:spLocks noGrp="1"/>
+          </p:cNvSpPr>
+          <p:nvPr>
+            <p:ph sz="quarter" idx="10"/>
+          </p:nvPr>
+        </p:nvSpPr>
+        <p:spPr/>
+        <p:txBody>
+          <a:bodyPr/>
+          <a:lstStyle/>
+          <a:p>
+            <a:r>
+              <a:rPr lang="en-US" dirty="0"/>
+              <a:t>从成熟度来讲</a:t>
+            </a:r>
+            <a:r>
+              <a:rPr lang="en-US" dirty="0" smtClean="0"/>
+              <a:t>：</a:t>
+            </a:r>
+          </a:p>
+          <a:p>
+            <a:r>
+              <a:rPr lang="en-US" dirty="0" err="1" smtClean="0"/>
+              <a:t>kylin</a:t>
+            </a:r>
+            <a:r>
+              <a:rPr lang="en-US" dirty="0" smtClean="0"/>
+              <a:t>&gt;spark </a:t>
+            </a:r>
+            <a:r>
+              <a:rPr lang="en-US" dirty="0" err="1" smtClean="0"/>
+              <a:t>sql</a:t>
+            </a:r>
+            <a:r>
+              <a:rPr lang="en-US" dirty="0" smtClean="0"/>
+              <a:t>&gt;Druid&gt;presto</a:t>
+            </a:r>
+          </a:p>
+          <a:p>
+            <a:endParaRPr lang="en-US" dirty="0" smtClean="0"/>
+          </a:p>
+          <a:p>
+            <a:r>
+              <a:rPr lang="en-US" dirty="0" smtClean="0"/>
+              <a:t>从超大数据的查询效率来看：</a:t>
+            </a:r>
+          </a:p>
+          <a:p>
+            <a:r>
+              <a:rPr lang="en-US" dirty="0" smtClean="0"/>
+              <a:t>Druid&gt;</a:t>
+            </a:r>
+            <a:r>
+              <a:rPr lang="en-US" dirty="0" err="1" smtClean="0"/>
+              <a:t>kylin</a:t>
+            </a:r>
+            <a:r>
+              <a:rPr lang="en-US" dirty="0" smtClean="0"/>
+              <a:t>&gt;presto&gt;spark </a:t>
+            </a:r>
+            <a:r>
+              <a:rPr lang="en-US" dirty="0" err="1" smtClean="0"/>
+              <a:t>sql</a:t>
+            </a:r>
+            <a:endParaRPr lang="en-US" dirty="0" smtClean="0"/>
+          </a:p>
+          <a:p>
+            <a:r>
+              <a:rPr lang="en-US" dirty="0"/>
+              <a:t/>
+            </a:r>
+            <a:br>
+              <a:rPr lang="en-US" dirty="0"/>
+            </a:br>
+            <a:r>
+              <a:rPr lang="en-US" dirty="0"/>
+              <a:t>从支持的数据源种类来讲</a:t>
+            </a:r>
+            <a:r>
+              <a:rPr lang="en-US" dirty="0" smtClean="0"/>
+              <a:t>：</a:t>
+            </a:r>
+          </a:p>
+          <a:p>
+            <a:r>
+              <a:rPr lang="en-US" dirty="0" smtClean="0"/>
+              <a:t>presto&gt;spark </a:t>
+            </a:r>
+            <a:r>
+              <a:rPr lang="en-US" dirty="0" err="1"/>
+              <a:t>sql</a:t>
+            </a:r>
+            <a:r>
+              <a:rPr lang="en-US" dirty="0"/>
+              <a:t>&gt;</a:t>
+            </a:r>
+            <a:r>
+              <a:rPr lang="en-US" dirty="0" err="1"/>
+              <a:t>kylin</a:t>
+            </a:r>
+            <a:r>
+              <a:rPr lang="en-US" dirty="0"/>
+              <a:t>&gt;Druid</a:t>
+            </a:r>
+            <a:endParaRPr lang="zh-CN" altLang="en-US" dirty="0"/>
+          </a:p>
+        </p:txBody>
+      </p:sp>
+    </p:spTree>
+    <p:extLst>
+      <p:ext uri="{BB962C8B-B14F-4D97-AF65-F5344CB8AC3E}">
+        <p14:creationId xmlns:p14="http://schemas.microsoft.com/office/powerpoint/2010/main" val="1790887486"/>
+      </p:ext>
+    </p:extLst>
+  </p:cSld>
+  <p:clrMapOvr>
+    <a:masterClrMapping/>
+  </p:clrMapOvr>
+  <p:timing>
+    <p:tnLst>
+      <p:par>
+        <p:cTn id="1" dur="indefinite" restart="never" nodeType="tmRoot"/>
+      </p:par>
+    </p:tnLst>
+  </p:timing>
+</p:sld>
+</file>
+
+<file path=ppt/slides/slide9.xml><?xml version="1.0" encoding="utf-8"?>
 <p:sld xmlns:a="http://schemas.openxmlformats.org/drawingml/2006/main" xmlns:r="http://schemas.openxmlformats.org/officeDocument/2006/relationships" xmlns:p="http://schemas.openxmlformats.org/presentationml/2006/main">
   <p:cSld>
     <p:spTree>
@@ -11810,7 +12419,7 @@
   <a:extraClrSchemeLst/>
   <a:extLst>
     <a:ext uri="{05A4C25C-085E-4340-85A3-A5531E510DB2}">
-      <thm15:themeFamily xmlns:thm15="http://schemas.microsoft.com/office/thememl/2012/main" xmlns="" name="Office Theme" id="{62F939B6-93AF-4DB8-9C6B-D6C7DFDC589F}" vid="{4A3C46E8-61CC-4603-A589-7422A47A8E4A}"/>
+      <thm15:themeFamily xmlns:thm15="http://schemas.microsoft.com/office/thememl/2012/main" name="Office Theme" id="{62F939B6-93AF-4DB8-9C6B-D6C7DFDC589F}" vid="{4A3C46E8-61CC-4603-A589-7422A47A8E4A}"/>
     </a:ext>
   </a:extLst>
 </a:theme>
@@ -12158,7 +12767,7 @@
   <a:extraClrSchemeLst/>
   <a:extLst>
     <a:ext uri="{05A4C25C-085E-4340-85A3-A5531E510DB2}">
-      <thm15:themeFamily xmlns:thm15="http://schemas.microsoft.com/office/thememl/2012/main" xmlns="" name="Office Theme" id="{62F939B6-93AF-4DB8-9C6B-D6C7DFDC589F}" vid="{4A3C46E8-61CC-4603-A589-7422A47A8E4A}"/>
+      <thm15:themeFamily xmlns:thm15="http://schemas.microsoft.com/office/thememl/2012/main" name="Office Theme" id="{62F939B6-93AF-4DB8-9C6B-D6C7DFDC589F}" vid="{4A3C46E8-61CC-4603-A589-7422A47A8E4A}"/>
     </a:ext>
   </a:extLst>
 </a:theme>
@@ -12506,7 +13115,7 @@
   <a:extraClrSchemeLst/>
   <a:extLst>
     <a:ext uri="{05A4C25C-085E-4340-85A3-A5531E510DB2}">
-      <thm15:themeFamily xmlns:thm15="http://schemas.microsoft.com/office/thememl/2012/main" xmlns="" name="Office Theme" id="{62F939B6-93AF-4DB8-9C6B-D6C7DFDC589F}" vid="{4A3C46E8-61CC-4603-A589-7422A47A8E4A}"/>
+      <thm15:themeFamily xmlns:thm15="http://schemas.microsoft.com/office/thememl/2012/main" name="Office Theme" id="{62F939B6-93AF-4DB8-9C6B-D6C7DFDC589F}" vid="{4A3C46E8-61CC-4603-A589-7422A47A8E4A}"/>
     </a:ext>
   </a:extLst>
 </a:theme>
@@ -12767,7 +13376,7 @@
   <a:extraClrSchemeLst/>
   <a:extLst>
     <a:ext uri="{05A4C25C-085E-4340-85A3-A5531E510DB2}">
-      <thm15:themeFamily xmlns:thm15="http://schemas.microsoft.com/office/thememl/2012/main" xmlns="" name="Office Theme" id="{62F939B6-93AF-4DB8-9C6B-D6C7DFDC589F}" vid="{4A3C46E8-61CC-4603-A589-7422A47A8E4A}"/>
+      <thm15:themeFamily xmlns:thm15="http://schemas.microsoft.com/office/thememl/2012/main" name="Office Theme" id="{62F939B6-93AF-4DB8-9C6B-D6C7DFDC589F}" vid="{4A3C46E8-61CC-4603-A589-7422A47A8E4A}"/>
     </a:ext>
   </a:extLst>
 </a:theme>
